--- a/Project Powerpoint.pptx
+++ b/Project Powerpoint.pptx
@@ -2938,7 +2938,15 @@
             </a:r>
             <a:r>
               <a:rPr lang="en-GB" dirty="0"/>
-              <a:t> define the ability of the model to all of the relevant classes or categories with the dataset, and as we can see the rates where very low between a minimum of 0.017 and maximum of 0.025</a:t>
+              <a:t> define the ability of the model </a:t>
+            </a:r>
+            <a:r>
+              <a:rPr lang="en-GB"/>
+              <a:t>to map </a:t>
+            </a:r>
+            <a:r>
+              <a:rPr lang="en-GB" dirty="0"/>
+              <a:t>all of the relevant classes or categories with the dataset, and as we can see the rates where very low between a minimum of 0.017 and maximum of 0.025</a:t>
             </a:r>
             <a:endParaRPr dirty="0"/>
           </a:p>
@@ -9959,13 +9967,13 @@
   <p:clrMapOvr>
     <a:masterClrMapping/>
   </p:clrMapOvr>
-  <mc:AlternateContent xmlns:mc="http://schemas.openxmlformats.org/markup-compatibility/2006">
-    <mc:Choice xmlns:p14="http://schemas.microsoft.com/office/powerpoint/2010/main" Requires="p14">
+  <mc:AlternateContent xmlns:mc="http://schemas.openxmlformats.org/markup-compatibility/2006" xmlns:p14="http://schemas.microsoft.com/office/powerpoint/2010/main">
+    <mc:Choice Requires="p14">
       <p:transition spd="med" p14:dur="700">
         <p:fade/>
       </p:transition>
     </mc:Choice>
-    <mc:Fallback>
+    <mc:Fallback xmlns="">
       <p:transition spd="med">
         <p:fade/>
       </p:transition>
@@ -11178,6 +11186,15 @@
 </file>
 
 <file path=customXml/item2.xml><?xml version="1.0" encoding="utf-8"?>
+<?mso-contentType ?>
+<FormTemplates xmlns="http://schemas.microsoft.com/sharepoint/v3/contenttype/forms">
+  <Display>DocumentLibraryForm</Display>
+  <Edit>DocumentLibraryForm</Edit>
+  <New>DocumentLibraryForm</New>
+</FormTemplates>
+</file>
+
+<file path=customXml/item3.xml><?xml version="1.0" encoding="utf-8"?>
 <p:properties xmlns:p="http://schemas.microsoft.com/office/2006/metadata/properties" xmlns:xsi="http://www.w3.org/2001/XMLSchema-instance" xmlns:pc="http://schemas.microsoft.com/office/infopath/2007/PartnerControls">
   <documentManagement>
     <lcf76f155ced4ddcb4097134ff3c332f xmlns="3f03398d-0ece-48ce-bdc3-b3342d37f0b0">
@@ -11186,15 +11203,6 @@
     <TaxCatchAll xmlns="d3147ea9-79fb-4d7e-9ba9-7b6fc83c550b" xsi:nil="true"/>
   </documentManagement>
 </p:properties>
-</file>
-
-<file path=customXml/item3.xml><?xml version="1.0" encoding="utf-8"?>
-<?mso-contentType ?>
-<FormTemplates xmlns="http://schemas.microsoft.com/sharepoint/v3/contenttype/forms">
-  <Display>DocumentLibraryForm</Display>
-  <Edit>DocumentLibraryForm</Edit>
-  <New>DocumentLibraryForm</New>
-</FormTemplates>
 </file>
 
 <file path=customXml/itemProps1.xml><?xml version="1.0" encoding="utf-8"?>
@@ -11217,6 +11225,14 @@
 </file>
 
 <file path=customXml/itemProps2.xml><?xml version="1.0" encoding="utf-8"?>
+<ds:datastoreItem xmlns:ds="http://schemas.openxmlformats.org/officeDocument/2006/customXml" ds:itemID="{78727EC3-027E-415E-8E65-39AD5268606C}">
+  <ds:schemaRefs>
+    <ds:schemaRef ds:uri="http://schemas.microsoft.com/sharepoint/v3/contenttype/forms"/>
+  </ds:schemaRefs>
+</ds:datastoreItem>
+</file>
+
+<file path=customXml/itemProps3.xml><?xml version="1.0" encoding="utf-8"?>
 <ds:datastoreItem xmlns:ds="http://schemas.openxmlformats.org/officeDocument/2006/customXml" ds:itemID="{C3CE82D3-3DAB-415F-ABBA-4A99DAAF7228}">
   <ds:schemaRefs>
     <ds:schemaRef ds:uri="http://schemas.microsoft.com/office/2006/metadata/properties"/>
@@ -11225,12 +11241,4 @@
     <ds:schemaRef ds:uri="d3147ea9-79fb-4d7e-9ba9-7b6fc83c550b"/>
   </ds:schemaRefs>
 </ds:datastoreItem>
-</file>
-
-<file path=customXml/itemProps3.xml><?xml version="1.0" encoding="utf-8"?>
-<ds:datastoreItem xmlns:ds="http://schemas.openxmlformats.org/officeDocument/2006/customXml" ds:itemID="{78727EC3-027E-415E-8E65-39AD5268606C}">
-  <ds:schemaRefs>
-    <ds:schemaRef ds:uri="http://schemas.microsoft.com/sharepoint/v3/contenttype/forms"/>
-  </ds:schemaRefs>
-</ds:datastoreItem>
 </file>